--- a/Freeman_Sober_Worm.pptx
+++ b/Freeman_Sober_Worm.pptx
@@ -1591,7 +1591,7 @@
                 <a:tab algn="l" pos="0"/>
               </a:tabLst>
             </a:pPr>
-            <a:fld id="{82BC08AC-3D18-4AA2-B1E4-B2FE5DDE7BAE}" type="slidenum">
+            <a:fld id="{496B2ED1-9D79-4247-A1F1-CBDA476EA04D}" type="slidenum">
               <a:rPr b="0" lang="en" sz="1000" spc="-1" strike="noStrike">
                 <a:solidFill>
                   <a:srgbClr val="595959"/>
@@ -3472,6 +3472,46 @@
                 <a:latin typeface="Arial"/>
                 <a:ea typeface="Arial"/>
               </a:rPr>
+              <a:t>n</a:t>
+            </a:r>
+            <a:r>
+              <a:rPr b="0" lang="en" sz="2000" spc="-1" strike="noStrike">
+                <a:solidFill>
+                  <a:srgbClr val="000000"/>
+                </a:solidFill>
+                <a:latin typeface="Arial"/>
+                <a:ea typeface="Arial"/>
+              </a:rPr>
+              <a:t>e</a:t>
+            </a:r>
+            <a:r>
+              <a:rPr b="0" lang="en" sz="2000" spc="-1" strike="noStrike">
+                <a:solidFill>
+                  <a:srgbClr val="000000"/>
+                </a:solidFill>
+                <a:latin typeface="Arial"/>
+                <a:ea typeface="Arial"/>
+              </a:rPr>
+              <a:t>o</a:t>
+            </a:r>
+            <a:r>
+              <a:rPr b="0" lang="en" sz="2000" spc="-1" strike="noStrike">
+                <a:solidFill>
+                  <a:srgbClr val="000000"/>
+                </a:solidFill>
+                <a:latin typeface="Arial"/>
+                <a:ea typeface="Arial"/>
+              </a:rPr>
+              <a:t>-</a:t>
+            </a:r>
+            <a:r>
+              <a:rPr b="0" lang="en" sz="2000" spc="-1" strike="noStrike">
+                <a:solidFill>
+                  <a:srgbClr val="000000"/>
+                </a:solidFill>
+                <a:latin typeface="Arial"/>
+                <a:ea typeface="Arial"/>
+              </a:rPr>
               <a:t>N</a:t>
             </a:r>
             <a:r>
@@ -4200,17 +4240,27 @@
                 <a:latin typeface="Arial"/>
                 <a:ea typeface="Arial"/>
               </a:rPr>
-              <a:t>o</a:t>
-            </a:r>
-            <a:r>
-              <a:rPr b="0" lang="en" sz="2000" spc="-1" strike="noStrike">
-                <a:solidFill>
-                  <a:srgbClr val="000000"/>
-                </a:solidFill>
-                <a:latin typeface="Arial"/>
-                <a:ea typeface="Arial"/>
-              </a:rPr>
-              <a:t>r</a:t>
+              <a:t>a</a:t>
+            </a:r>
+            <a:r>
+              <a:rPr b="0" lang="en" sz="2000" spc="-1" strike="noStrike">
+                <a:solidFill>
+                  <a:srgbClr val="000000"/>
+                </a:solidFill>
+                <a:latin typeface="Arial"/>
+                <a:ea typeface="Arial"/>
+              </a:rPr>
+              <a:t>n</a:t>
+            </a:r>
+            <a:r>
+              <a:rPr b="0" lang="en" sz="2000" spc="-1" strike="noStrike">
+                <a:solidFill>
+                  <a:srgbClr val="000000"/>
+                </a:solidFill>
+                <a:latin typeface="Arial"/>
+                <a:ea typeface="Arial"/>
+              </a:rPr>
+              <a:t>d</a:t>
             </a:r>
             <a:r>
               <a:rPr b="0" lang="en" sz="2000" spc="-1" strike="noStrike">
@@ -5468,7 +5518,7 @@
                 <a:latin typeface="Arial"/>
                 <a:ea typeface="Arial"/>
               </a:rPr>
-              <a:t>Attachment name: Funny.scr</a:t>
+              <a:t>Attachment name: Privat.exe</a:t>
             </a:r>
             <a:endParaRPr b="0" lang="en-US" sz="2000" spc="-1" strike="noStrike">
               <a:latin typeface="Arial"/>
@@ -6976,6 +7026,26 @@
                 <a:latin typeface="Arial"/>
                 <a:ea typeface="Arial"/>
               </a:rPr>
+              <a:t>2</a:t>
+            </a:r>
+            <a:r>
+              <a:rPr b="0" lang="en" sz="2000" spc="-1" strike="noStrike">
+                <a:solidFill>
+                  <a:srgbClr val="000000"/>
+                </a:solidFill>
+                <a:latin typeface="Arial"/>
+                <a:ea typeface="Arial"/>
+              </a:rPr>
+              <a:t>2</a:t>
+            </a:r>
+            <a:r>
+              <a:rPr b="0" lang="en" sz="2000" spc="-1" strike="noStrike">
+                <a:solidFill>
+                  <a:srgbClr val="000000"/>
+                </a:solidFill>
+                <a:latin typeface="Arial"/>
+                <a:ea typeface="Arial"/>
+              </a:rPr>
               <a:t>M</a:t>
             </a:r>
             <a:r>
@@ -6986,27 +7056,17 @@
                 <a:latin typeface="Arial"/>
                 <a:ea typeface="Arial"/>
               </a:rPr>
-              <a:t>a</a:t>
-            </a:r>
-            <a:r>
-              <a:rPr b="0" lang="en" sz="2000" spc="-1" strike="noStrike">
-                <a:solidFill>
-                  <a:srgbClr val="000000"/>
-                </a:solidFill>
-                <a:latin typeface="Arial"/>
-                <a:ea typeface="Arial"/>
-              </a:rPr>
-              <a:t>y</a:t>
-            </a:r>
-            <a:r>
-              <a:rPr b="0" lang="en" sz="2000" spc="-1" strike="noStrike">
-                <a:solidFill>
-                  <a:srgbClr val="000000"/>
-                </a:solidFill>
-                <a:latin typeface="Arial"/>
-                <a:ea typeface="Arial"/>
-              </a:rPr>
-              <a:t> </a:t>
+              <a:t>A</a:t>
+            </a:r>
+            <a:r>
+              <a:rPr b="0" lang="en" sz="2000" spc="-1" strike="noStrike">
+                <a:solidFill>
+                  <a:srgbClr val="000000"/>
+                </a:solidFill>
+                <a:latin typeface="Arial"/>
+                <a:ea typeface="Arial"/>
+              </a:rPr>
+              <a:t>Y</a:t>
             </a:r>
             <a:r>
               <a:rPr b="0" lang="en" sz="2000" spc="-1" strike="noStrike">
@@ -7036,17 +7096,17 @@
                 <a:latin typeface="Arial"/>
                 <a:ea typeface="Arial"/>
               </a:rPr>
-              <a:t>2</a:t>
-            </a:r>
-            <a:r>
-              <a:rPr b="0" lang="en" sz="2000" spc="-1" strike="noStrike">
-                <a:solidFill>
-                  <a:srgbClr val="000000"/>
-                </a:solidFill>
-                <a:latin typeface="Arial"/>
-                <a:ea typeface="Arial"/>
-              </a:rPr>
-              <a:t>2</a:t>
+              <a:t>0</a:t>
+            </a:r>
+            <a:r>
+              <a:rPr b="0" lang="en" sz="2000" spc="-1" strike="noStrike">
+                <a:solidFill>
+                  <a:srgbClr val="000000"/>
+                </a:solidFill>
+                <a:latin typeface="Arial"/>
+                <a:ea typeface="Arial"/>
+              </a:rPr>
+              <a:t>5</a:t>
             </a:r>
             <a:r>
               <a:rPr b="0" lang="en" sz="2000" spc="-1" strike="noStrike">
@@ -9334,7 +9394,7 @@
         <p:spPr>
           <a:xfrm>
             <a:off x="357480" y="829080"/>
-            <a:ext cx="8553600" cy="4066560"/>
+            <a:ext cx="7323480" cy="4066560"/>
           </a:xfrm>
           <a:prstGeom prst="rect">
             <a:avLst/>
@@ -9355,9 +9415,9 @@
             <a:noAutofit/>
           </a:bodyPr>
           <a:p>
-            <a:pPr marL="457200" indent="-228600">
+            <a:pPr marL="216000" indent="-216000">
               <a:lnSpc>
-                <a:spcPct val="200000"/>
+                <a:spcPct val="100000"/>
               </a:lnSpc>
               <a:buClr>
                 <a:srgbClr val="000000"/>
@@ -9367,24 +9427,24 @@
               <a:buChar char=""/>
             </a:pPr>
             <a:r>
-              <a:rPr b="0" lang="en" sz="1400" spc="-1" strike="noStrike">
-                <a:solidFill>
-                  <a:srgbClr val="000000"/>
-                </a:solidFill>
-                <a:latin typeface="Arial"/>
-                <a:ea typeface="Arial"/>
-                <a:hlinkClick r:id="rId2"/>
+              <a:rPr b="0" lang="en" sz="2000" spc="-1" strike="noStrike">
+                <a:solidFill>
+                  <a:srgbClr val="000000"/>
+                </a:solidFill>
+                <a:latin typeface="Arial"/>
+                <a:ea typeface="Arial"/>
               </a:rPr>
               <a:t>https://www.f-secure.com/v-descs/sober.shtml</a:t>
             </a:r>
-            <a:endParaRPr b="0" lang="en-US" sz="1400" spc="-1" strike="noStrike">
+            <a:endParaRPr b="0" lang="en-US" sz="2000" spc="-1" strike="noStrike">
               <a:latin typeface="Arial"/>
+              <a:ea typeface="Noto Sans CJK SC"/>
             </a:endParaRPr>
           </a:p>
           <a:p>
-            <a:pPr marL="457200" indent="-228600">
+            <a:pPr marL="216000" indent="-216000">
               <a:lnSpc>
-                <a:spcPct val="200000"/>
+                <a:spcPct val="100000"/>
               </a:lnSpc>
               <a:buClr>
                 <a:srgbClr val="000000"/>
@@ -9394,24 +9454,24 @@
               <a:buChar char=""/>
             </a:pPr>
             <a:r>
-              <a:rPr b="0" lang="en" sz="1400" spc="-1" strike="noStrike">
-                <a:solidFill>
-                  <a:srgbClr val="000000"/>
-                </a:solidFill>
-                <a:latin typeface="Arial"/>
-                <a:ea typeface="Arial"/>
-                <a:hlinkClick r:id="rId3"/>
+              <a:rPr b="0" lang="en" sz="2000" spc="-1" strike="noStrike">
+                <a:solidFill>
+                  <a:srgbClr val="000000"/>
+                </a:solidFill>
+                <a:latin typeface="Arial"/>
+                <a:ea typeface="Arial"/>
               </a:rPr>
               <a:t>https://www.microsoft.com/en-us/wdsi/threats/malware-encyclopedia-description?Name=Win32/Sober</a:t>
             </a:r>
-            <a:endParaRPr b="0" lang="en-US" sz="1400" spc="-1" strike="noStrike">
+            <a:endParaRPr b="0" lang="en-US" sz="2000" spc="-1" strike="noStrike">
               <a:latin typeface="Arial"/>
+              <a:ea typeface="Noto Sans CJK SC"/>
             </a:endParaRPr>
           </a:p>
           <a:p>
-            <a:pPr marL="457200" indent="-228600">
+            <a:pPr marL="216000" indent="-216000">
               <a:lnSpc>
-                <a:spcPct val="200000"/>
+                <a:spcPct val="100000"/>
               </a:lnSpc>
               <a:buClr>
                 <a:srgbClr val="000000"/>
@@ -9421,24 +9481,24 @@
               <a:buChar char=""/>
             </a:pPr>
             <a:r>
-              <a:rPr b="0" lang="en" sz="1400" spc="-1" strike="noStrike">
-                <a:solidFill>
-                  <a:srgbClr val="000000"/>
-                </a:solidFill>
-                <a:latin typeface="Arial"/>
-                <a:ea typeface="Arial"/>
-                <a:hlinkClick r:id="rId4"/>
+              <a:rPr b="0" lang="en" sz="2000" spc="-1" strike="noStrike">
+                <a:solidFill>
+                  <a:srgbClr val="000000"/>
+                </a:solidFill>
+                <a:latin typeface="Arial"/>
+                <a:ea typeface="Arial"/>
               </a:rPr>
               <a:t>https://www.technewsworld.com/story/security-firms-warn-of-looming-sober-worm-threat-47764.html</a:t>
             </a:r>
-            <a:endParaRPr b="0" lang="en-US" sz="1400" spc="-1" strike="noStrike">
+            <a:endParaRPr b="0" lang="en-US" sz="2000" spc="-1" strike="noStrike">
               <a:latin typeface="Arial"/>
+              <a:ea typeface="Noto Sans CJK SC"/>
             </a:endParaRPr>
           </a:p>
           <a:p>
-            <a:pPr marL="457200" indent="-228600">
+            <a:pPr marL="216000" indent="-216000">
               <a:lnSpc>
-                <a:spcPct val="200000"/>
+                <a:spcPct val="100000"/>
               </a:lnSpc>
               <a:buClr>
                 <a:srgbClr val="000000"/>
@@ -9448,24 +9508,24 @@
               <a:buChar char=""/>
             </a:pPr>
             <a:r>
-              <a:rPr b="0" lang="en" sz="1400" spc="-1" strike="noStrike">
-                <a:solidFill>
-                  <a:srgbClr val="000000"/>
-                </a:solidFill>
-                <a:latin typeface="Arial"/>
-                <a:ea typeface="Arial"/>
-                <a:hlinkClick r:id="rId5"/>
+              <a:rPr b="0" lang="en" sz="2000" spc="-1" strike="noStrike">
+                <a:solidFill>
+                  <a:srgbClr val="000000"/>
+                </a:solidFill>
+                <a:latin typeface="Arial"/>
+                <a:ea typeface="Arial"/>
               </a:rPr>
               <a:t>https://www.nbcnews.com/id/wbna7874164</a:t>
             </a:r>
-            <a:endParaRPr b="0" lang="en-US" sz="1400" spc="-1" strike="noStrike">
+            <a:endParaRPr b="0" lang="en-US" sz="2000" spc="-1" strike="noStrike">
               <a:latin typeface="Arial"/>
+              <a:ea typeface="Noto Sans CJK SC"/>
             </a:endParaRPr>
           </a:p>
           <a:p>
-            <a:pPr marL="457200" indent="-228600">
+            <a:pPr marL="216000" indent="-216000">
               <a:lnSpc>
-                <a:spcPct val="200000"/>
+                <a:spcPct val="100000"/>
               </a:lnSpc>
               <a:buClr>
                 <a:srgbClr val="000000"/>
@@ -9475,24 +9535,24 @@
               <a:buChar char=""/>
             </a:pPr>
             <a:r>
-              <a:rPr b="0" lang="en" sz="1400" spc="-1" strike="noStrike">
-                <a:solidFill>
-                  <a:srgbClr val="000000"/>
-                </a:solidFill>
-                <a:latin typeface="Arial"/>
-                <a:ea typeface="Arial"/>
-                <a:hlinkClick r:id="rId6"/>
+              <a:rPr b="0" lang="en" sz="2000" spc="-1" strike="noStrike">
+                <a:solidFill>
+                  <a:srgbClr val="000000"/>
+                </a:solidFill>
+                <a:latin typeface="Arial"/>
+                <a:ea typeface="Arial"/>
               </a:rPr>
               <a:t>https://www.opendemocracy.net/en/spam_2535jsp/</a:t>
             </a:r>
-            <a:endParaRPr b="0" lang="en-US" sz="1400" spc="-1" strike="noStrike">
+            <a:endParaRPr b="0" lang="en-US" sz="2000" spc="-1" strike="noStrike">
               <a:latin typeface="Arial"/>
+              <a:ea typeface="Noto Sans CJK SC"/>
             </a:endParaRPr>
           </a:p>
           <a:p>
-            <a:pPr marL="457200" indent="-228600">
+            <a:pPr marL="216000" indent="-216000">
               <a:lnSpc>
-                <a:spcPct val="200000"/>
+                <a:spcPct val="100000"/>
               </a:lnSpc>
               <a:buClr>
                 <a:srgbClr val="000000"/>
@@ -9502,18 +9562,18 @@
               <a:buChar char=""/>
             </a:pPr>
             <a:r>
-              <a:rPr b="0" lang="en" sz="1400" spc="-1" strike="noStrike">
-                <a:solidFill>
-                  <a:srgbClr val="000000"/>
-                </a:solidFill>
-                <a:latin typeface="Arial"/>
-                <a:ea typeface="Arial"/>
-                <a:hlinkClick r:id="rId7"/>
+              <a:rPr b="0" lang="en" sz="2000" spc="-1" strike="noStrike">
+                <a:solidFill>
+                  <a:srgbClr val="000000"/>
+                </a:solidFill>
+                <a:latin typeface="Arial"/>
+                <a:ea typeface="Arial"/>
               </a:rPr>
               <a:t>https://www.allaboutworms.com/the-sober-worm</a:t>
             </a:r>
-            <a:endParaRPr b="0" lang="en-US" sz="1400" spc="-1" strike="noStrike">
+            <a:endParaRPr b="0" lang="en-US" sz="2000" spc="-1" strike="noStrike">
               <a:latin typeface="Arial"/>
+              <a:ea typeface="Noto Sans CJK SC"/>
             </a:endParaRPr>
           </a:p>
         </p:txBody>
